--- a/Servlets/Day1/Docs/Web Presentation-Part1.pptx
+++ b/Servlets/Day1/Docs/Web Presentation-Part1.pptx
@@ -257,7 +257,7 @@
           <a:p>
             <a:fld id="{4F94E7C4-328C-457B-8CA2-EE381C323794}" type="datetimeFigureOut">
               <a:rPr lang="en-US" smtClean="0"/>
-              <a:t>7/11/2016</a:t>
+              <a:t>6/26/2017</a:t>
             </a:fld>
             <a:endParaRPr lang="en-US"/>
           </a:p>
@@ -3304,7 +3304,19 @@
             </a:r>
             <a:r>
               <a:rPr lang="en-US" baseline="0" dirty="0" smtClean="0"/>
-              <a:t> (Angular)</a:t>
+              <a:t> (</a:t>
+            </a:r>
+            <a:r>
+              <a:rPr lang="en-US" baseline="0" dirty="0" smtClean="0"/>
+              <a:t>AngularJS, </a:t>
+            </a:r>
+            <a:r>
+              <a:rPr lang="en-US" baseline="0" dirty="0" err="1" smtClean="0"/>
+              <a:t>reactJS</a:t>
+            </a:r>
+            <a:r>
+              <a:rPr lang="en-US" baseline="0" dirty="0" smtClean="0"/>
+              <a:t>)</a:t>
             </a:r>
             <a:endParaRPr lang="en-US" dirty="0" smtClean="0"/>
           </a:p>
@@ -5685,7 +5697,7 @@
             <a:fld id="{0DDD1723-F08C-BC4A-A158-087EDAF93B47}" type="datetimeFigureOut">
               <a:rPr lang="en-US"/>
               <a:pPr/>
-              <a:t>7/11/2016</a:t>
+              <a:t>6/26/2017</a:t>
             </a:fld>
             <a:endParaRPr lang="en-US"/>
           </a:p>
@@ -6102,7 +6114,7 @@
         <p:spPr>
           <a:xfrm>
             <a:off x="662661" y="5637654"/>
-            <a:ext cx="2609882" cy="584775"/>
+            <a:ext cx="3550279" cy="584775"/>
           </a:xfrm>
           <a:prstGeom prst="rect">
             <a:avLst/>
@@ -6110,7 +6122,7 @@
           <a:noFill/>
         </p:spPr>
         <p:txBody>
-          <a:bodyPr wrap="none" rtlCol="0">
+          <a:bodyPr wrap="square" rtlCol="0">
             <a:spAutoFit/>
           </a:bodyPr>
           <a:lstStyle/>
@@ -6155,7 +6167,15 @@
                   <a:schemeClr val="bg1"/>
                 </a:solidFill>
               </a:rPr>
-              <a:t>     Adrian DAFINOIU</a:t>
+              <a:t>     </a:t>
+            </a:r>
+            <a:r>
+              <a:rPr lang="en-US" sz="1600" dirty="0" smtClean="0">
+                <a:solidFill>
+                  <a:schemeClr val="bg1"/>
+                </a:solidFill>
+              </a:rPr>
+              <a:t>Oana BESLIU</a:t>
             </a:r>
             <a:endParaRPr lang="ro-RO" sz="1600" dirty="0">
               <a:solidFill>
@@ -6237,34 +6257,7 @@
               <a:rPr lang="en-US" dirty="0" smtClean="0"/>
               <a:t> </a:t>
             </a:r>
-            <a:r>
-              <a:rPr lang="en-US" sz="2800" dirty="0"/>
-              <a:t>From </a:t>
-            </a:r>
-            <a:r>
-              <a:rPr lang="en-US" sz="2800" dirty="0" smtClean="0"/>
-              <a:t>Thick </a:t>
-            </a:r>
-            <a:r>
-              <a:rPr lang="en-US" sz="2800" dirty="0"/>
-              <a:t>to </a:t>
-            </a:r>
-            <a:r>
-              <a:rPr lang="en-US" sz="2800" dirty="0" smtClean="0"/>
-              <a:t>Thin </a:t>
-            </a:r>
-            <a:r>
-              <a:rPr lang="en-US" sz="2800" dirty="0"/>
-              <a:t>to </a:t>
-            </a:r>
-            <a:r>
-              <a:rPr lang="en-US" sz="2800" dirty="0" smtClean="0"/>
-              <a:t>Thick</a:t>
-            </a:r>
-            <a:r>
-              <a:rPr lang="en-US" sz="2800" dirty="0"/>
-              <a:t>…</a:t>
-            </a:r>
+            <a:endParaRPr lang="en-US" sz="2800" dirty="0"/>
           </a:p>
         </p:txBody>
       </p:sp>
@@ -6276,8 +6269,8 @@
         </p:nvSpPr>
         <p:spPr>
           <a:xfrm>
-            <a:off x="3426373" y="5393250"/>
-            <a:ext cx="3890012" cy="1354217"/>
+            <a:off x="4032069" y="5097998"/>
+            <a:ext cx="3890012" cy="1600438"/>
           </a:xfrm>
           <a:prstGeom prst="rect">
             <a:avLst/>
@@ -6303,77 +6296,66 @@
                   <a:schemeClr val="bg1"/>
                 </a:solidFill>
               </a:rPr>
-              <a:t>Trainers: Daniela-</a:t>
+              <a:t>Trainers</a:t>
+            </a:r>
+            <a:r>
+              <a:rPr lang="en-US" sz="1600" dirty="0">
+                <a:solidFill>
+                  <a:schemeClr val="bg1"/>
+                </a:solidFill>
+              </a:rPr>
+              <a:t>: </a:t>
+            </a:r>
+            <a:r>
+              <a:rPr lang="en-US" sz="1600" dirty="0" smtClean="0">
+                <a:solidFill>
+                  <a:schemeClr val="bg1"/>
+                </a:solidFill>
+              </a:rPr>
+              <a:t> Andrei Marica</a:t>
+            </a:r>
+          </a:p>
+          <a:p>
+            <a:r>
+              <a:rPr lang="en-US" sz="1600" dirty="0" smtClean="0">
+                <a:solidFill>
+                  <a:schemeClr val="bg1"/>
+                </a:solidFill>
+              </a:rPr>
+              <a:t>		Cristian Dumitru</a:t>
+            </a:r>
+          </a:p>
+          <a:p>
+            <a:r>
+              <a:rPr lang="en-US" sz="1600" dirty="0" smtClean="0">
+                <a:solidFill>
+                  <a:schemeClr val="bg1"/>
+                </a:solidFill>
+              </a:rPr>
+              <a:t>		Catalin Bina</a:t>
+            </a:r>
+          </a:p>
+          <a:p>
+            <a:r>
+              <a:rPr lang="en-US" sz="1600" dirty="0" smtClean="0">
+                <a:solidFill>
+                  <a:schemeClr val="bg1"/>
+                </a:solidFill>
+              </a:rPr>
+              <a:t> 		Alexandru Krancevik</a:t>
+            </a:r>
+          </a:p>
+          <a:p>
+            <a:r>
+              <a:rPr lang="en-US" sz="1600" dirty="0" smtClean="0">
+                <a:solidFill>
+                  <a:schemeClr val="bg1"/>
+                </a:solidFill>
+              </a:rPr>
+              <a:t>		</a:t>
             </a:r>
             <a:r>
               <a:rPr lang="en-US" sz="1600" dirty="0" err="1" smtClean="0">
-                <a:solidFill>
-                  <a:schemeClr val="bg1"/>
-                </a:solidFill>
-              </a:rPr>
-              <a:t>Oana</a:t>
-            </a:r>
-            <a:r>
-              <a:rPr lang="en-US" sz="1600" dirty="0" smtClean="0">
-                <a:solidFill>
-                  <a:schemeClr val="bg1"/>
-                </a:solidFill>
-              </a:rPr>
-              <a:t> BESLIU</a:t>
-            </a:r>
-          </a:p>
-          <a:p>
-            <a:r>
-              <a:rPr lang="en-US" sz="1600" dirty="0" smtClean="0">
-                <a:solidFill>
-                  <a:schemeClr val="bg1"/>
-                </a:solidFill>
-              </a:rPr>
-              <a:t>               Mihai VADUVA</a:t>
-            </a:r>
-          </a:p>
-          <a:p>
-            <a:r>
-              <a:rPr lang="en-US" sz="1600" dirty="0">
-                <a:solidFill>
-                  <a:schemeClr val="bg1"/>
-                </a:solidFill>
-              </a:rPr>
-              <a:t> </a:t>
-            </a:r>
-            <a:r>
-              <a:rPr lang="en-US" sz="1600" dirty="0" smtClean="0">
-                <a:solidFill>
-                  <a:schemeClr val="bg1"/>
-                </a:solidFill>
-              </a:rPr>
-              <a:t>              Andrei </a:t>
-            </a:r>
-            <a:r>
-              <a:rPr lang="en-US" sz="1600" dirty="0" err="1" smtClean="0">
-                <a:solidFill>
-                  <a:schemeClr val="bg1"/>
-                </a:solidFill>
-              </a:rPr>
-              <a:t>Marica</a:t>
-            </a:r>
-            <a:endParaRPr lang="en-US" sz="1600" dirty="0" smtClean="0">
-              <a:solidFill>
-                <a:schemeClr val="bg1"/>
-              </a:solidFill>
-            </a:endParaRPr>
-          </a:p>
-          <a:p>
-            <a:r>
-              <a:rPr lang="en-US" sz="1600" dirty="0">
-                <a:solidFill>
-                  <a:schemeClr val="bg1"/>
-                </a:solidFill>
-              </a:rPr>
-              <a:t>               </a:t>
-            </a:r>
-            <a:r>
-              <a:rPr lang="en-US" sz="1600" dirty="0" err="1">
                 <a:solidFill>
                   <a:schemeClr val="bg1"/>
                 </a:solidFill>
@@ -6381,7 +6363,7 @@
               <a:t>Tekin</a:t>
             </a:r>
             <a:r>
-              <a:rPr lang="en-US" sz="1600" dirty="0">
+              <a:rPr lang="en-US" sz="1600" dirty="0" smtClean="0">
                 <a:solidFill>
                   <a:schemeClr val="bg1"/>
                 </a:solidFill>
@@ -14848,7 +14830,7 @@
       </p:pic>
       <p:pic>
         <p:nvPicPr>
-          <p:cNvPr id="6" name="Picture 5"/>
+          <p:cNvPr id="9" name="Picture 8"/>
           <p:cNvPicPr>
             <a:picLocks noChangeAspect="1"/>
           </p:cNvPicPr>
@@ -14856,36 +14838,6 @@
         </p:nvPicPr>
         <p:blipFill>
           <a:blip r:embed="rId4">
-            <a:extLst>
-              <a:ext uri="{28A0092B-C50C-407E-A947-70E740481C1C}">
-                <a14:useLocalDpi xmlns:a14="http://schemas.microsoft.com/office/drawing/2010/main" val="0"/>
-              </a:ext>
-            </a:extLst>
-          </a:blip>
-          <a:stretch>
-            <a:fillRect/>
-          </a:stretch>
-        </p:blipFill>
-        <p:spPr>
-          <a:xfrm>
-            <a:off x="4045983" y="4718833"/>
-            <a:ext cx="1127696" cy="1106801"/>
-          </a:xfrm>
-          <a:prstGeom prst="rect">
-            <a:avLst/>
-          </a:prstGeom>
-        </p:spPr>
-      </p:pic>
-      <p:pic>
-        <p:nvPicPr>
-          <p:cNvPr id="9" name="Picture 8"/>
-          <p:cNvPicPr>
-            <a:picLocks noChangeAspect="1"/>
-          </p:cNvPicPr>
-          <p:nvPr/>
-        </p:nvPicPr>
-        <p:blipFill>
-          <a:blip r:embed="rId5">
             <a:extLst>
               <a:ext uri="{28A0092B-C50C-407E-A947-70E740481C1C}">
                 <a14:useLocalDpi xmlns:a14="http://schemas.microsoft.com/office/drawing/2010/main" val="0"/>
@@ -14915,7 +14867,7 @@
           <p:nvPr/>
         </p:nvPicPr>
         <p:blipFill>
-          <a:blip r:embed="rId6">
+          <a:blip r:embed="rId5">
             <a:extLst>
               <a:ext uri="{28A0092B-C50C-407E-A947-70E740481C1C}">
                 <a14:useLocalDpi xmlns:a14="http://schemas.microsoft.com/office/drawing/2010/main" val="0"/>
@@ -14930,36 +14882,6 @@
           <a:xfrm>
             <a:off x="5961245" y="3352979"/>
             <a:ext cx="2487641" cy="2472655"/>
-          </a:xfrm>
-          <a:prstGeom prst="rect">
-            <a:avLst/>
-          </a:prstGeom>
-        </p:spPr>
-      </p:pic>
-      <p:pic>
-        <p:nvPicPr>
-          <p:cNvPr id="3" name="Picture 2"/>
-          <p:cNvPicPr>
-            <a:picLocks noChangeAspect="1"/>
-          </p:cNvPicPr>
-          <p:nvPr/>
-        </p:nvPicPr>
-        <p:blipFill>
-          <a:blip r:embed="rId7">
-            <a:extLst>
-              <a:ext uri="{28A0092B-C50C-407E-A947-70E740481C1C}">
-                <a14:useLocalDpi xmlns:a14="http://schemas.microsoft.com/office/drawing/2010/main" val="0"/>
-              </a:ext>
-            </a:extLst>
-          </a:blip>
-          <a:stretch>
-            <a:fillRect/>
-          </a:stretch>
-        </p:blipFill>
-        <p:spPr>
-          <a:xfrm>
-            <a:off x="3706829" y="1521242"/>
-            <a:ext cx="1466850" cy="1504950"/>
           </a:xfrm>
           <a:prstGeom prst="rect">
             <a:avLst/>
@@ -15059,17 +14981,10 @@
               <a:buChar char="•"/>
             </a:pPr>
             <a:r>
-              <a:rPr lang="en-US" sz="2000" dirty="0" err="1"/>
-              <a:t>Intellij</a:t>
-            </a:r>
-            <a:r>
-              <a:rPr lang="en-US" sz="2000" dirty="0"/>
-              <a:t> </a:t>
-            </a:r>
-            <a:r>
               <a:rPr lang="en-US" sz="2000" dirty="0" smtClean="0"/>
-              <a:t>Idea</a:t>
-            </a:r>
+              <a:t>IntelliJ IDEA</a:t>
+            </a:r>
+            <a:endParaRPr lang="en-US" sz="2000" dirty="0" smtClean="0"/>
           </a:p>
           <a:p>
             <a:pPr marL="285750" indent="-285750">
@@ -15110,6 +15025,66 @@
       <p:pic>
         <p:nvPicPr>
           <p:cNvPr id="8" name="Picture 7"/>
+          <p:cNvPicPr>
+            <a:picLocks noChangeAspect="1"/>
+          </p:cNvPicPr>
+          <p:nvPr/>
+        </p:nvPicPr>
+        <p:blipFill>
+          <a:blip r:embed="rId6">
+            <a:extLst>
+              <a:ext uri="{28A0092B-C50C-407E-A947-70E740481C1C}">
+                <a14:useLocalDpi xmlns:a14="http://schemas.microsoft.com/office/drawing/2010/main" val="0"/>
+              </a:ext>
+            </a:extLst>
+          </a:blip>
+          <a:stretch>
+            <a:fillRect/>
+          </a:stretch>
+        </p:blipFill>
+        <p:spPr>
+          <a:xfrm>
+            <a:off x="4077684" y="4783614"/>
+            <a:ext cx="1501880" cy="1478279"/>
+          </a:xfrm>
+          <a:prstGeom prst="rect">
+            <a:avLst/>
+          </a:prstGeom>
+        </p:spPr>
+      </p:pic>
+      <p:pic>
+        <p:nvPicPr>
+          <p:cNvPr id="4" name="Picture 3"/>
+          <p:cNvPicPr>
+            <a:picLocks noChangeAspect="1"/>
+          </p:cNvPicPr>
+          <p:nvPr/>
+        </p:nvPicPr>
+        <p:blipFill>
+          <a:blip r:embed="rId7">
+            <a:extLst>
+              <a:ext uri="{28A0092B-C50C-407E-A947-70E740481C1C}">
+                <a14:useLocalDpi xmlns:a14="http://schemas.microsoft.com/office/drawing/2010/main" val="0"/>
+              </a:ext>
+            </a:extLst>
+          </a:blip>
+          <a:stretch>
+            <a:fillRect/>
+          </a:stretch>
+        </p:blipFill>
+        <p:spPr>
+          <a:xfrm>
+            <a:off x="4199907" y="3352979"/>
+            <a:ext cx="1257433" cy="1257433"/>
+          </a:xfrm>
+          <a:prstGeom prst="rect">
+            <a:avLst/>
+          </a:prstGeom>
+        </p:spPr>
+      </p:pic>
+      <p:pic>
+        <p:nvPicPr>
+          <p:cNvPr id="11" name="Picture 10"/>
           <p:cNvPicPr>
             <a:picLocks noChangeAspect="1"/>
           </p:cNvPicPr>
@@ -15129,8 +15104,8 @@
         </p:blipFill>
         <p:spPr>
           <a:xfrm>
-            <a:off x="3858891" y="3026192"/>
-            <a:ext cx="1501880" cy="1478279"/>
+            <a:off x="3840298" y="1589102"/>
+            <a:ext cx="1590675" cy="1590675"/>
           </a:xfrm>
           <a:prstGeom prst="rect">
             <a:avLst/>
@@ -29256,7 +29231,19 @@
             </a:r>
             <a:r>
               <a:rPr lang="en-US" dirty="0" smtClean="0"/>
-              <a:t>some 5 years ago </a:t>
+              <a:t>some </a:t>
+            </a:r>
+            <a:r>
+              <a:rPr lang="en-US" dirty="0"/>
+              <a:t>7</a:t>
+            </a:r>
+            <a:r>
+              <a:rPr lang="en-US" dirty="0" smtClean="0"/>
+              <a:t> </a:t>
+            </a:r>
+            <a:r>
+              <a:rPr lang="en-US" dirty="0" smtClean="0"/>
+              <a:t>years ago </a:t>
             </a:r>
             <a:r>
               <a:rPr lang="en-US" dirty="0"/>
@@ -30693,6 +30680,24 @@
 </file>
 
 <file path=customXml/item1.xml><?xml version="1.0" encoding="utf-8"?>
+<p:properties xmlns:p="http://schemas.microsoft.com/office/2006/metadata/properties" xmlns:xsi="http://www.w3.org/2001/XMLSchema-instance" xmlns:pc="http://schemas.microsoft.com/office/infopath/2007/PartnerControls">
+  <documentManagement>
+    <PublishingExpirationDate xmlns="http://schemas.microsoft.com/sharepoint/v3" xsi:nil="true"/>
+    <PublishingStartDate xmlns="http://schemas.microsoft.com/sharepoint/v3" xsi:nil="true"/>
+  </documentManagement>
+</p:properties>
+</file>
+
+<file path=customXml/item2.xml><?xml version="1.0" encoding="utf-8"?>
+<?mso-contentType ?>
+<FormTemplates xmlns="http://schemas.microsoft.com/sharepoint/v3/contenttype/forms">
+  <Display>DocumentLibraryForm</Display>
+  <Edit>DocumentLibraryForm</Edit>
+  <New>DocumentLibraryForm</New>
+</FormTemplates>
+</file>
+
+<file path=customXml/item3.xml><?xml version="1.0" encoding="utf-8"?>
 <ct:contentTypeSchema xmlns:ct="http://schemas.microsoft.com/office/2006/metadata/contentType" xmlns:ma="http://schemas.microsoft.com/office/2006/metadata/properties/metaAttributes" ct:_="" ma:_="" ma:contentTypeName="Document" ma:contentTypeID="0x0101002EAB9993CCBF73478E12853278F3FB5C" ma:contentTypeVersion="1" ma:contentTypeDescription="Create a new document." ma:contentTypeScope="" ma:versionID="4db10d317033d09fed4d0297d17c663a">
   <xsd:schema xmlns:xsd="http://www.w3.org/2001/XMLSchema" xmlns:xs="http://www.w3.org/2001/XMLSchema" xmlns:p="http://schemas.microsoft.com/office/2006/metadata/properties" xmlns:ns1="http://schemas.microsoft.com/sharepoint/v3" targetNamespace="http://schemas.microsoft.com/office/2006/metadata/properties" ma:root="true" ma:fieldsID="48c5b5cd9b8d25ff6dd15848836f4270" ns1:_="">
     <xsd:import namespace="http://schemas.microsoft.com/sharepoint/v3"/>
@@ -30824,25 +30829,31 @@
 </ct:contentTypeSchema>
 </file>
 
-<file path=customXml/item2.xml><?xml version="1.0" encoding="utf-8"?>
-<p:properties xmlns:p="http://schemas.microsoft.com/office/2006/metadata/properties" xmlns:xsi="http://www.w3.org/2001/XMLSchema-instance" xmlns:pc="http://schemas.microsoft.com/office/infopath/2007/PartnerControls">
-  <documentManagement>
-    <PublishingExpirationDate xmlns="http://schemas.microsoft.com/sharepoint/v3" xsi:nil="true"/>
-    <PublishingStartDate xmlns="http://schemas.microsoft.com/sharepoint/v3" xsi:nil="true"/>
-  </documentManagement>
-</p:properties>
+<file path=customXml/itemProps1.xml><?xml version="1.0" encoding="utf-8"?>
+<ds:datastoreItem xmlns:ds="http://schemas.openxmlformats.org/officeDocument/2006/customXml" ds:itemID="{C1424CC9-255C-4972-B5F2-6F19B32F3DEA}">
+  <ds:schemaRefs>
+    <ds:schemaRef ds:uri="http://purl.org/dc/terms/"/>
+    <ds:schemaRef ds:uri="http://schemas.openxmlformats.org/package/2006/metadata/core-properties"/>
+    <ds:schemaRef ds:uri="http://schemas.microsoft.com/office/2006/documentManagement/types"/>
+    <ds:schemaRef ds:uri="http://www.w3.org/XML/1998/namespace"/>
+    <ds:schemaRef ds:uri="http://purl.org/dc/elements/1.1/"/>
+    <ds:schemaRef ds:uri="http://schemas.microsoft.com/office/2006/metadata/properties"/>
+    <ds:schemaRef ds:uri="http://schemas.microsoft.com/office/infopath/2007/PartnerControls"/>
+    <ds:schemaRef ds:uri="http://schemas.microsoft.com/sharepoint/v3"/>
+    <ds:schemaRef ds:uri="http://purl.org/dc/dcmitype/"/>
+  </ds:schemaRefs>
+</ds:datastoreItem>
 </file>
 
-<file path=customXml/item3.xml><?xml version="1.0" encoding="utf-8"?>
-<?mso-contentType ?>
-<FormTemplates xmlns="http://schemas.microsoft.com/sharepoint/v3/contenttype/forms">
-  <Display>DocumentLibraryForm</Display>
-  <Edit>DocumentLibraryForm</Edit>
-  <New>DocumentLibraryForm</New>
-</FormTemplates>
+<file path=customXml/itemProps2.xml><?xml version="1.0" encoding="utf-8"?>
+<ds:datastoreItem xmlns:ds="http://schemas.openxmlformats.org/officeDocument/2006/customXml" ds:itemID="{B3E8851E-A513-4DE1-BFEA-60B7444A3522}">
+  <ds:schemaRefs>
+    <ds:schemaRef ds:uri="http://schemas.microsoft.com/sharepoint/v3/contenttype/forms"/>
+  </ds:schemaRefs>
+</ds:datastoreItem>
 </file>
 
-<file path=customXml/itemProps1.xml><?xml version="1.0" encoding="utf-8"?>
+<file path=customXml/itemProps3.xml><?xml version="1.0" encoding="utf-8"?>
 <ds:datastoreItem xmlns:ds="http://schemas.openxmlformats.org/officeDocument/2006/customXml" ds:itemID="{E29AC310-E4D3-4181-8DC8-8BCBD631C9E0}">
   <ds:schemaRefs>
     <ds:schemaRef ds:uri="http://schemas.microsoft.com/office/2006/metadata/contentType"/>
@@ -30858,28 +30869,4 @@
     <ds:schemaRef ds:uri="http://schemas.microsoft.com/internal/obd"/>
   </ds:schemaRefs>
 </ds:datastoreItem>
-</file>
-
-<file path=customXml/itemProps2.xml><?xml version="1.0" encoding="utf-8"?>
-<ds:datastoreItem xmlns:ds="http://schemas.openxmlformats.org/officeDocument/2006/customXml" ds:itemID="{C1424CC9-255C-4972-B5F2-6F19B32F3DEA}">
-  <ds:schemaRefs>
-    <ds:schemaRef ds:uri="http://purl.org/dc/terms/"/>
-    <ds:schemaRef ds:uri="http://schemas.openxmlformats.org/package/2006/metadata/core-properties"/>
-    <ds:schemaRef ds:uri="http://schemas.microsoft.com/office/2006/documentManagement/types"/>
-    <ds:schemaRef ds:uri="http://www.w3.org/XML/1998/namespace"/>
-    <ds:schemaRef ds:uri="http://purl.org/dc/elements/1.1/"/>
-    <ds:schemaRef ds:uri="http://schemas.microsoft.com/office/2006/metadata/properties"/>
-    <ds:schemaRef ds:uri="http://schemas.microsoft.com/office/infopath/2007/PartnerControls"/>
-    <ds:schemaRef ds:uri="http://schemas.microsoft.com/sharepoint/v3"/>
-    <ds:schemaRef ds:uri="http://purl.org/dc/dcmitype/"/>
-  </ds:schemaRefs>
-</ds:datastoreItem>
-</file>
-
-<file path=customXml/itemProps3.xml><?xml version="1.0" encoding="utf-8"?>
-<ds:datastoreItem xmlns:ds="http://schemas.openxmlformats.org/officeDocument/2006/customXml" ds:itemID="{B3E8851E-A513-4DE1-BFEA-60B7444A3522}">
-  <ds:schemaRefs>
-    <ds:schemaRef ds:uri="http://schemas.microsoft.com/sharepoint/v3/contenttype/forms"/>
-  </ds:schemaRefs>
-</ds:datastoreItem>
 </file>